--- a/slides/Jupyter Notebook with Docker on Win7.pptx
+++ b/slides/Jupyter Notebook with Docker on Win7.pptx
@@ -204,7 +204,7 @@
             <a:fld id="{814910AB-AEF0-414C-82CB-791080B1186B}" type="datetimeFigureOut">
               <a:rPr lang="en-US" smtClean="0"/>
               <a:pPr/>
-              <a:t>4/5/2019</a:t>
+              <a:t>11/10/2019</a:t>
             </a:fld>
             <a:endParaRPr lang="en-US" dirty="0"/>
           </a:p>
@@ -371,7 +371,7 @@
             <a:fld id="{5B4AE38D-E020-46F3-803D-8636C5B7B74E}" type="datetimeFigureOut">
               <a:rPr lang="en-US" smtClean="0"/>
               <a:pPr/>
-              <a:t>4/5/2019</a:t>
+              <a:t>11/10/2019</a:t>
             </a:fld>
             <a:endParaRPr lang="en-US" dirty="0"/>
           </a:p>
@@ -1079,7 +1079,7 @@
             <a:fld id="{7DDB771E-4AED-4DD3-8AA1-5D9FD2224F14}" type="datetimeFigureOut">
               <a:rPr lang="en-US" smtClean="0"/>
               <a:pPr/>
-              <a:t>4/5/2019</a:t>
+              <a:t>11/10/2019</a:t>
             </a:fld>
             <a:endParaRPr lang="en-US" dirty="0"/>
           </a:p>
@@ -1246,7 +1246,7 @@
             <a:fld id="{7DDB771E-4AED-4DD3-8AA1-5D9FD2224F14}" type="datetimeFigureOut">
               <a:rPr lang="en-US" smtClean="0"/>
               <a:pPr/>
-              <a:t>4/5/2019</a:t>
+              <a:t>11/10/2019</a:t>
             </a:fld>
             <a:endParaRPr lang="en-US" dirty="0"/>
           </a:p>
@@ -1423,7 +1423,7 @@
             <a:fld id="{7DDB771E-4AED-4DD3-8AA1-5D9FD2224F14}" type="datetimeFigureOut">
               <a:rPr lang="en-US" smtClean="0"/>
               <a:pPr/>
-              <a:t>4/5/2019</a:t>
+              <a:t>11/10/2019</a:t>
             </a:fld>
             <a:endParaRPr lang="en-US" dirty="0"/>
           </a:p>
@@ -1590,7 +1590,7 @@
             <a:fld id="{7DDB771E-4AED-4DD3-8AA1-5D9FD2224F14}" type="datetimeFigureOut">
               <a:rPr lang="en-US" smtClean="0"/>
               <a:pPr/>
-              <a:t>4/5/2019</a:t>
+              <a:t>11/10/2019</a:t>
             </a:fld>
             <a:endParaRPr lang="en-US" dirty="0"/>
           </a:p>
@@ -1833,7 +1833,7 @@
             <a:fld id="{7DDB771E-4AED-4DD3-8AA1-5D9FD2224F14}" type="datetimeFigureOut">
               <a:rPr lang="en-US" smtClean="0"/>
               <a:pPr/>
-              <a:t>4/5/2019</a:t>
+              <a:t>11/10/2019</a:t>
             </a:fld>
             <a:endParaRPr lang="en-US" dirty="0"/>
           </a:p>
@@ -2118,7 +2118,7 @@
             <a:fld id="{7DDB771E-4AED-4DD3-8AA1-5D9FD2224F14}" type="datetimeFigureOut">
               <a:rPr lang="en-US" smtClean="0"/>
               <a:pPr/>
-              <a:t>4/5/2019</a:t>
+              <a:t>11/10/2019</a:t>
             </a:fld>
             <a:endParaRPr lang="en-US" dirty="0"/>
           </a:p>
@@ -2537,7 +2537,7 @@
             <a:fld id="{7DDB771E-4AED-4DD3-8AA1-5D9FD2224F14}" type="datetimeFigureOut">
               <a:rPr lang="en-US" smtClean="0"/>
               <a:pPr/>
-              <a:t>4/5/2019</a:t>
+              <a:t>11/10/2019</a:t>
             </a:fld>
             <a:endParaRPr lang="en-US" dirty="0"/>
           </a:p>
@@ -2652,7 +2652,7 @@
             <a:fld id="{7DDB771E-4AED-4DD3-8AA1-5D9FD2224F14}" type="datetimeFigureOut">
               <a:rPr lang="en-US" smtClean="0"/>
               <a:pPr/>
-              <a:t>4/5/2019</a:t>
+              <a:t>11/10/2019</a:t>
             </a:fld>
             <a:endParaRPr lang="en-US" dirty="0"/>
           </a:p>
@@ -2744,7 +2744,7 @@
             <a:fld id="{7DDB771E-4AED-4DD3-8AA1-5D9FD2224F14}" type="datetimeFigureOut">
               <a:rPr lang="en-US" smtClean="0"/>
               <a:pPr/>
-              <a:t>4/5/2019</a:t>
+              <a:t>11/10/2019</a:t>
             </a:fld>
             <a:endParaRPr lang="en-US" dirty="0"/>
           </a:p>
@@ -3018,7 +3018,7 @@
             <a:fld id="{7DDB771E-4AED-4DD3-8AA1-5D9FD2224F14}" type="datetimeFigureOut">
               <a:rPr lang="en-US" smtClean="0"/>
               <a:pPr/>
-              <a:t>4/5/2019</a:t>
+              <a:t>11/10/2019</a:t>
             </a:fld>
             <a:endParaRPr lang="en-US" dirty="0"/>
           </a:p>
@@ -3268,7 +3268,7 @@
             <a:fld id="{7DDB771E-4AED-4DD3-8AA1-5D9FD2224F14}" type="datetimeFigureOut">
               <a:rPr lang="en-US" smtClean="0"/>
               <a:pPr/>
-              <a:t>4/5/2019</a:t>
+              <a:t>11/10/2019</a:t>
             </a:fld>
             <a:endParaRPr lang="en-US" dirty="0"/>
           </a:p>
@@ -3478,7 +3478,7 @@
             <a:fld id="{7DDB771E-4AED-4DD3-8AA1-5D9FD2224F14}" type="datetimeFigureOut">
               <a:rPr lang="en-US" smtClean="0"/>
               <a:pPr/>
-              <a:t>4/5/2019</a:t>
+              <a:t>11/10/2019</a:t>
             </a:fld>
             <a:endParaRPr lang="en-US" dirty="0"/>
           </a:p>
@@ -3888,7 +3888,7 @@
         <p:spPr>
           <a:xfrm>
             <a:off x="2140619" y="3709060"/>
-            <a:ext cx="4156486" cy="1477328"/>
+            <a:ext cx="4156486" cy="1754326"/>
           </a:xfrm>
           <a:prstGeom prst="rect">
             <a:avLst/>
@@ -3918,8 +3918,15 @@
             <a:pPr algn="ctr"/>
             <a:r>
               <a:rPr lang="en-US" dirty="0" smtClean="0"/>
-              <a:t>KAL Technology</a:t>
-            </a:r>
+              <a:t>KAL </a:t>
+            </a:r>
+            <a:r>
+              <a:rPr lang="en-US" dirty="0" smtClean="0"/>
+              <a:t>Technology LLC</a:t>
+            </a:r>
+          </a:p>
+          <a:p>
+            <a:pPr algn="ctr"/>
             <a:endParaRPr lang="en-US" dirty="0"/>
           </a:p>
           <a:p>
@@ -3973,7 +3980,23 @@
                 <a:ea typeface="+mj-ea"/>
                 <a:cs typeface="+mj-cs"/>
               </a:rPr>
-              <a:t>Running a Jupyter Notebook with Docker on Win7</a:t>
+              <a:t>Running </a:t>
+            </a:r>
+            <a:r>
+              <a:rPr lang="en-US" sz="4400" dirty="0" smtClean="0">
+                <a:latin typeface="+mj-lt"/>
+                <a:ea typeface="+mj-ea"/>
+                <a:cs typeface="+mj-cs"/>
+              </a:rPr>
+              <a:t>Jupyter Notebooks </a:t>
+            </a:r>
+            <a:r>
+              <a:rPr lang="en-US" sz="4400" dirty="0" smtClean="0">
+                <a:latin typeface="+mj-lt"/>
+                <a:ea typeface="+mj-ea"/>
+                <a:cs typeface="+mj-cs"/>
+              </a:rPr>
+              <a:t>with Docker on Win7</a:t>
             </a:r>
             <a:endParaRPr lang="en-US" sz="4400" dirty="0">
               <a:latin typeface="+mj-lt"/>
@@ -4024,7 +4047,7 @@
         <p:spPr>
           <a:xfrm>
             <a:off x="1082028" y="1683147"/>
-            <a:ext cx="6705600" cy="1754326"/>
+            <a:ext cx="6705600" cy="2308324"/>
           </a:xfrm>
           <a:prstGeom prst="rect">
             <a:avLst/>
@@ -4043,11 +4066,19 @@
             </a:pPr>
             <a:r>
               <a:rPr lang="en-US" dirty="0" smtClean="0"/>
-              <a:t>  Setting up a Jupyter Notebook with supporting tools on a laptop requires installation of multiple packages</a:t>
-            </a:r>
-          </a:p>
-          <a:p>
-            <a:endParaRPr lang="en-US" dirty="0"/>
+              <a:t>  Recently took a course from Udemy </a:t>
+            </a:r>
+            <a:r>
+              <a:rPr lang="en-US" dirty="0" smtClean="0"/>
+              <a:t>called “</a:t>
+            </a:r>
+            <a:r>
+              <a:rPr lang="en-US" dirty="0" smtClean="0"/>
+              <a:t>Python for Data Science and Machine Learning Bootcamp”</a:t>
+            </a:r>
+          </a:p>
+          <a:p>
+            <a:endParaRPr lang="en-US" dirty="0" smtClean="0"/>
           </a:p>
           <a:p>
             <a:pPr>
@@ -4055,25 +4086,41 @@
               <a:buChar char="•"/>
             </a:pPr>
             <a:r>
-              <a:rPr lang="en-US" dirty="0" smtClean="0"/>
-              <a:t>  These days who doesn’t have multiple environments to support</a:t>
-            </a:r>
+              <a:rPr lang="en-US" dirty="0"/>
+              <a:t> </a:t>
+            </a:r>
+            <a:r>
+              <a:rPr lang="en-US" dirty="0" smtClean="0"/>
+              <a:t> Setting up a Jupyter Notebook with supporting tools on a laptop requires installation of multiple packages</a:t>
+            </a:r>
+          </a:p>
+          <a:p>
+            <a:endParaRPr lang="en-US" dirty="0"/>
           </a:p>
           <a:p>
             <a:pPr>
               <a:buFont typeface="Arial" pitchFamily="34" charset="0"/>
               <a:buChar char="•"/>
             </a:pPr>
-            <a:endParaRPr lang="en-US" dirty="0"/>
-          </a:p>
-          <a:p>
-            <a:pPr>
-              <a:buFont typeface="Arial" pitchFamily="34" charset="0"/>
-              <a:buChar char="•"/>
-            </a:pPr>
-            <a:r>
-              <a:rPr lang="en-US" dirty="0" smtClean="0"/>
-              <a:t>  Gets to be a mess quite quickly</a:t>
+            <a:r>
+              <a:rPr lang="en-US" dirty="0" smtClean="0"/>
+              <a:t>  </a:t>
+            </a:r>
+            <a:r>
+              <a:rPr lang="en-US" dirty="0" smtClean="0"/>
+              <a:t>Who </a:t>
+            </a:r>
+            <a:r>
+              <a:rPr lang="en-US" dirty="0" smtClean="0"/>
+              <a:t>doesn’t have multiple environments to </a:t>
+            </a:r>
+            <a:r>
+              <a:rPr lang="en-US" dirty="0" smtClean="0"/>
+              <a:t>support, gets </a:t>
+            </a:r>
+            <a:r>
+              <a:rPr lang="en-US" dirty="0" smtClean="0"/>
+              <a:t>to be a mess quite quickly</a:t>
             </a:r>
           </a:p>
         </p:txBody>
@@ -4101,8 +4148,8 @@
           <a:lstStyle/>
           <a:p>
             <a:r>
-              <a:rPr lang="en-US" dirty="0" smtClean="0"/>
-              <a:t>Introduction</a:t>
+              <a:rPr lang="en-US" dirty="0"/>
+              <a:t>So How Did I Get Here?</a:t>
             </a:r>
             <a:endParaRPr lang="en-US" dirty="0"/>
           </a:p>
@@ -4149,7 +4196,7 @@
         <p:spPr>
           <a:xfrm>
             <a:off x="866368" y="1767120"/>
-            <a:ext cx="7050468" cy="2308324"/>
+            <a:ext cx="7050468" cy="2031325"/>
           </a:xfrm>
           <a:prstGeom prst="rect">
             <a:avLst/>
@@ -4178,6 +4225,7 @@
               <a:rPr lang="en-US" dirty="0" smtClean="0"/>
               <a:t>Environment easier to manage</a:t>
             </a:r>
+            <a:endParaRPr lang="en-US" dirty="0"/>
           </a:p>
           <a:p>
             <a:pPr>
@@ -4185,23 +4233,16 @@
               <a:buChar char="•"/>
             </a:pPr>
             <a:r>
-              <a:rPr lang="en-US" dirty="0"/>
-              <a:t> </a:t>
-            </a:r>
-            <a:r>
-              <a:rPr lang="en-US" dirty="0" smtClean="0"/>
-              <a:t> Infrastructure as Code Best Practice</a:t>
-            </a:r>
-            <a:endParaRPr lang="en-US" dirty="0"/>
-          </a:p>
-          <a:p>
-            <a:pPr>
-              <a:buFont typeface="Arial" pitchFamily="34" charset="0"/>
-              <a:buChar char="•"/>
-            </a:pPr>
-            <a:r>
-              <a:rPr lang="en-US" dirty="0" smtClean="0"/>
-              <a:t>  Images Built and Maintained by </a:t>
+              <a:rPr lang="en-US" dirty="0" smtClean="0"/>
+              <a:t>  </a:t>
+            </a:r>
+            <a:r>
+              <a:rPr lang="en-US" dirty="0" smtClean="0"/>
+              <a:t>Images </a:t>
+            </a:r>
+            <a:r>
+              <a:rPr lang="en-US" dirty="0" smtClean="0"/>
+              <a:t>Built and Maintained by </a:t>
             </a:r>
             <a:r>
               <a:rPr lang="en-US" b="1" i="1" u="sng" dirty="0" smtClean="0"/>
@@ -4294,7 +4335,15 @@
           <a:p>
             <a:r>
               <a:rPr lang="en-US" dirty="0" smtClean="0"/>
-              <a:t>Why Jupyter Containers?</a:t>
+              <a:t>Why </a:t>
+            </a:r>
+            <a:r>
+              <a:rPr lang="en-US" dirty="0" smtClean="0"/>
+              <a:t>Jupyter Containers</a:t>
+            </a:r>
+            <a:r>
+              <a:rPr lang="en-US" dirty="0" smtClean="0"/>
+              <a:t>?</a:t>
             </a:r>
             <a:endParaRPr lang="en-US" dirty="0"/>
           </a:p>
@@ -4400,7 +4449,15 @@
             </a:pPr>
             <a:r>
               <a:rPr lang="en-US" dirty="0" smtClean="0"/>
-              <a:t>  Docker Toolbox on Windows (add VirtualBox option during install)</a:t>
+              <a:t>  Docker Toolbox on Windows </a:t>
+            </a:r>
+            <a:r>
+              <a:rPr lang="en-US" dirty="0" smtClean="0"/>
+              <a:t> 7 (add </a:t>
+            </a:r>
+            <a:r>
+              <a:rPr lang="en-US" dirty="0" smtClean="0"/>
+              <a:t>VirtualBox option during install)</a:t>
             </a:r>
           </a:p>
           <a:p>
@@ -4483,7 +4540,7 @@
         <p:spPr>
           <a:xfrm>
             <a:off x="757367" y="1584186"/>
-            <a:ext cx="7515090" cy="3139321"/>
+            <a:ext cx="7515090" cy="4247317"/>
           </a:xfrm>
           <a:prstGeom prst="rect">
             <a:avLst/>
@@ -4530,7 +4587,15 @@
             </a:r>
             <a:r>
               <a:rPr lang="en-US" dirty="0" smtClean="0"/>
-              <a:t> Pulled the image</a:t>
+              <a:t> Configured </a:t>
+            </a:r>
+            <a:r>
+              <a:rPr lang="en-US" dirty="0" smtClean="0"/>
+              <a:t>a NAT configuration on </a:t>
+            </a:r>
+            <a:r>
+              <a:rPr lang="en-US" dirty="0" smtClean="0"/>
+              <a:t>the docker machine for port 8888</a:t>
             </a:r>
           </a:p>
           <a:p>
@@ -4544,7 +4609,63 @@
             </a:r>
             <a:r>
               <a:rPr lang="en-US" dirty="0" smtClean="0"/>
-              <a:t> Started the container with the following command:</a:t>
+              <a:t> </a:t>
+            </a:r>
+            <a:r>
+              <a:rPr lang="en-US" dirty="0" smtClean="0"/>
+              <a:t>Locally pulled </a:t>
+            </a:r>
+            <a:r>
+              <a:rPr lang="en-US" dirty="0" smtClean="0"/>
+              <a:t>the image </a:t>
+            </a:r>
+            <a:r>
+              <a:rPr lang="en-US" dirty="0" smtClean="0"/>
+              <a:t>jupyter/datascience-notebook:latest</a:t>
+            </a:r>
+          </a:p>
+          <a:p>
+            <a:pPr lvl="1">
+              <a:buFont typeface="Arial" pitchFamily="34" charset="0"/>
+              <a:buChar char="•"/>
+            </a:pPr>
+            <a:r>
+              <a:rPr lang="en-US" dirty="0"/>
+              <a:t> </a:t>
+            </a:r>
+            <a:r>
+              <a:rPr lang="en-US" dirty="0" smtClean="0"/>
+              <a:t> Downloaded the course work Jupyter Notebooks to </a:t>
+            </a:r>
+            <a:r>
+              <a:rPr lang="en-US" dirty="0"/>
+              <a:t>C:\</a:t>
+            </a:r>
+            <a:r>
+              <a:rPr lang="en-US" dirty="0" smtClean="0"/>
+              <a:t>Users\kskalvar\git\Refactored_Py_DS_ML_Bootcamp-master</a:t>
+            </a:r>
+          </a:p>
+          <a:p>
+            <a:pPr lvl="1"/>
+            <a:endParaRPr lang="en-US" dirty="0" smtClean="0"/>
+          </a:p>
+          <a:p>
+            <a:pPr>
+              <a:buFont typeface="Arial" pitchFamily="34" charset="0"/>
+              <a:buChar char="•"/>
+            </a:pPr>
+            <a:r>
+              <a:rPr lang="en-US" dirty="0" smtClean="0"/>
+              <a:t> </a:t>
+            </a:r>
+            <a:r>
+              <a:rPr lang="en-US" dirty="0" smtClean="0"/>
+              <a:t> Start the </a:t>
+            </a:r>
+            <a:r>
+              <a:rPr lang="en-US" dirty="0" smtClean="0"/>
+              <a:t>container with the following command:</a:t>
             </a:r>
           </a:p>
           <a:p>
@@ -4745,7 +4866,15 @@
             </a:r>
             <a:r>
               <a:rPr lang="en-US" dirty="0" smtClean="0"/>
-              <a:t> Or use “docker-machine </a:t>
+              <a:t> Or </a:t>
+            </a:r>
+            <a:r>
+              <a:rPr lang="en-US" dirty="0" smtClean="0"/>
+              <a:t>you could use </a:t>
+            </a:r>
+            <a:r>
+              <a:rPr lang="en-US" dirty="0" smtClean="0"/>
+              <a:t>“docker-machine </a:t>
             </a:r>
             <a:r>
               <a:rPr lang="en-US" dirty="0"/>
@@ -4975,8 +5104,13 @@
             </a:r>
             <a:r>
               <a:rPr lang="en-US" dirty="0" smtClean="0"/>
-              <a:t>eally need to upgrade to Windows 10 which supports virtualization natively</a:t>
-            </a:r>
+              <a:t>eally need to upgrade to Windows 10 which supports virtualization </a:t>
+            </a:r>
+            <a:r>
+              <a:rPr lang="en-US" dirty="0" smtClean="0"/>
+              <a:t>natively</a:t>
+            </a:r>
+            <a:endParaRPr lang="en-US" dirty="0" smtClean="0"/>
           </a:p>
           <a:p>
             <a:pPr lvl="1">
@@ -5027,7 +5161,23 @@
             </a:r>
             <a:r>
               <a:rPr lang="en-US" dirty="0" smtClean="0"/>
-              <a:t> Destroying the docker machine or container still preserves your work since your work directory is on laptop locally and shared on the container</a:t>
+              <a:t> Destroying the docker machine or container still preserves your work since your work directory is </a:t>
+            </a:r>
+            <a:r>
+              <a:rPr lang="en-US" dirty="0" smtClean="0"/>
+              <a:t>local and </a:t>
+            </a:r>
+            <a:r>
+              <a:rPr lang="en-US" dirty="0" smtClean="0"/>
+              <a:t>shared </a:t>
+            </a:r>
+            <a:r>
+              <a:rPr lang="en-US" dirty="0" smtClean="0"/>
+              <a:t>with the </a:t>
+            </a:r>
+            <a:r>
+              <a:rPr lang="en-US" dirty="0" smtClean="0"/>
+              <a:t>container</a:t>
             </a:r>
           </a:p>
           <a:p>
@@ -5041,8 +5191,17 @@
             </a:r>
             <a:r>
               <a:rPr lang="en-US" dirty="0" smtClean="0"/>
-              <a:t> No need to re-create the container each time the machine is started, just use “docker start” </a:t>
-            </a:r>
+              <a:t> No need to re-create the container each time the machine is started, just use “docker </a:t>
+            </a:r>
+            <a:r>
+              <a:rPr lang="en-US" dirty="0"/>
+              <a:t>start </a:t>
+            </a:r>
+            <a:r>
+              <a:rPr lang="en-US" dirty="0" smtClean="0"/>
+              <a:t>datascience-notebook”</a:t>
+            </a:r>
+            <a:endParaRPr lang="en-US" dirty="0" smtClean="0"/>
           </a:p>
         </p:txBody>
       </p:sp>
@@ -5179,7 +5338,6 @@
               <a:rPr lang="en-US" dirty="0" smtClean="0"/>
               <a:t>github.com/docker/toolbox</a:t>
             </a:r>
-            <a:endParaRPr lang="en-US" dirty="0" smtClean="0"/>
           </a:p>
           <a:p>
             <a:endParaRPr lang="en-US" dirty="0" smtClean="0"/>

--- a/slides/Jupyter Notebook with Docker on Win7.pptx
+++ b/slides/Jupyter Notebook with Docker on Win7.pptx
@@ -204,7 +204,7 @@
             <a:fld id="{814910AB-AEF0-414C-82CB-791080B1186B}" type="datetimeFigureOut">
               <a:rPr lang="en-US" smtClean="0"/>
               <a:pPr/>
-              <a:t>11/10/2019</a:t>
+              <a:t>11/12/2019</a:t>
             </a:fld>
             <a:endParaRPr lang="en-US" dirty="0"/>
           </a:p>
@@ -371,7 +371,7 @@
             <a:fld id="{5B4AE38D-E020-46F3-803D-8636C5B7B74E}" type="datetimeFigureOut">
               <a:rPr lang="en-US" smtClean="0"/>
               <a:pPr/>
-              <a:t>11/10/2019</a:t>
+              <a:t>11/12/2019</a:t>
             </a:fld>
             <a:endParaRPr lang="en-US" dirty="0"/>
           </a:p>
@@ -1079,7 +1079,7 @@
             <a:fld id="{7DDB771E-4AED-4DD3-8AA1-5D9FD2224F14}" type="datetimeFigureOut">
               <a:rPr lang="en-US" smtClean="0"/>
               <a:pPr/>
-              <a:t>11/10/2019</a:t>
+              <a:t>11/12/2019</a:t>
             </a:fld>
             <a:endParaRPr lang="en-US" dirty="0"/>
           </a:p>
@@ -1246,7 +1246,7 @@
             <a:fld id="{7DDB771E-4AED-4DD3-8AA1-5D9FD2224F14}" type="datetimeFigureOut">
               <a:rPr lang="en-US" smtClean="0"/>
               <a:pPr/>
-              <a:t>11/10/2019</a:t>
+              <a:t>11/12/2019</a:t>
             </a:fld>
             <a:endParaRPr lang="en-US" dirty="0"/>
           </a:p>
@@ -1423,7 +1423,7 @@
             <a:fld id="{7DDB771E-4AED-4DD3-8AA1-5D9FD2224F14}" type="datetimeFigureOut">
               <a:rPr lang="en-US" smtClean="0"/>
               <a:pPr/>
-              <a:t>11/10/2019</a:t>
+              <a:t>11/12/2019</a:t>
             </a:fld>
             <a:endParaRPr lang="en-US" dirty="0"/>
           </a:p>
@@ -1590,7 +1590,7 @@
             <a:fld id="{7DDB771E-4AED-4DD3-8AA1-5D9FD2224F14}" type="datetimeFigureOut">
               <a:rPr lang="en-US" smtClean="0"/>
               <a:pPr/>
-              <a:t>11/10/2019</a:t>
+              <a:t>11/12/2019</a:t>
             </a:fld>
             <a:endParaRPr lang="en-US" dirty="0"/>
           </a:p>
@@ -1833,7 +1833,7 @@
             <a:fld id="{7DDB771E-4AED-4DD3-8AA1-5D9FD2224F14}" type="datetimeFigureOut">
               <a:rPr lang="en-US" smtClean="0"/>
               <a:pPr/>
-              <a:t>11/10/2019</a:t>
+              <a:t>11/12/2019</a:t>
             </a:fld>
             <a:endParaRPr lang="en-US" dirty="0"/>
           </a:p>
@@ -2118,7 +2118,7 @@
             <a:fld id="{7DDB771E-4AED-4DD3-8AA1-5D9FD2224F14}" type="datetimeFigureOut">
               <a:rPr lang="en-US" smtClean="0"/>
               <a:pPr/>
-              <a:t>11/10/2019</a:t>
+              <a:t>11/12/2019</a:t>
             </a:fld>
             <a:endParaRPr lang="en-US" dirty="0"/>
           </a:p>
@@ -2537,7 +2537,7 @@
             <a:fld id="{7DDB771E-4AED-4DD3-8AA1-5D9FD2224F14}" type="datetimeFigureOut">
               <a:rPr lang="en-US" smtClean="0"/>
               <a:pPr/>
-              <a:t>11/10/2019</a:t>
+              <a:t>11/12/2019</a:t>
             </a:fld>
             <a:endParaRPr lang="en-US" dirty="0"/>
           </a:p>
@@ -2652,7 +2652,7 @@
             <a:fld id="{7DDB771E-4AED-4DD3-8AA1-5D9FD2224F14}" type="datetimeFigureOut">
               <a:rPr lang="en-US" smtClean="0"/>
               <a:pPr/>
-              <a:t>11/10/2019</a:t>
+              <a:t>11/12/2019</a:t>
             </a:fld>
             <a:endParaRPr lang="en-US" dirty="0"/>
           </a:p>
@@ -2744,7 +2744,7 @@
             <a:fld id="{7DDB771E-4AED-4DD3-8AA1-5D9FD2224F14}" type="datetimeFigureOut">
               <a:rPr lang="en-US" smtClean="0"/>
               <a:pPr/>
-              <a:t>11/10/2019</a:t>
+              <a:t>11/12/2019</a:t>
             </a:fld>
             <a:endParaRPr lang="en-US" dirty="0"/>
           </a:p>
@@ -3018,7 +3018,7 @@
             <a:fld id="{7DDB771E-4AED-4DD3-8AA1-5D9FD2224F14}" type="datetimeFigureOut">
               <a:rPr lang="en-US" smtClean="0"/>
               <a:pPr/>
-              <a:t>11/10/2019</a:t>
+              <a:t>11/12/2019</a:t>
             </a:fld>
             <a:endParaRPr lang="en-US" dirty="0"/>
           </a:p>
@@ -3268,7 +3268,7 @@
             <a:fld id="{7DDB771E-4AED-4DD3-8AA1-5D9FD2224F14}" type="datetimeFigureOut">
               <a:rPr lang="en-US" smtClean="0"/>
               <a:pPr/>
-              <a:t>11/10/2019</a:t>
+              <a:t>11/12/2019</a:t>
             </a:fld>
             <a:endParaRPr lang="en-US" dirty="0"/>
           </a:p>
@@ -3478,7 +3478,7 @@
             <a:fld id="{7DDB771E-4AED-4DD3-8AA1-5D9FD2224F14}" type="datetimeFigureOut">
               <a:rPr lang="en-US" smtClean="0"/>
               <a:pPr/>
-              <a:t>11/10/2019</a:t>
+              <a:t>11/12/2019</a:t>
             </a:fld>
             <a:endParaRPr lang="en-US" dirty="0"/>
           </a:p>
@@ -3918,11 +3918,7 @@
             <a:pPr algn="ctr"/>
             <a:r>
               <a:rPr lang="en-US" dirty="0" smtClean="0"/>
-              <a:t>KAL </a:t>
-            </a:r>
-            <a:r>
-              <a:rPr lang="en-US" dirty="0" smtClean="0"/>
-              <a:t>Technology LLC</a:t>
+              <a:t>KAL Technology LLC</a:t>
             </a:r>
           </a:p>
           <a:p>
@@ -3980,23 +3976,7 @@
                 <a:ea typeface="+mj-ea"/>
                 <a:cs typeface="+mj-cs"/>
               </a:rPr>
-              <a:t>Running </a:t>
-            </a:r>
-            <a:r>
-              <a:rPr lang="en-US" sz="4400" dirty="0" smtClean="0">
-                <a:latin typeface="+mj-lt"/>
-                <a:ea typeface="+mj-ea"/>
-                <a:cs typeface="+mj-cs"/>
-              </a:rPr>
-              <a:t>Jupyter Notebooks </a:t>
-            </a:r>
-            <a:r>
-              <a:rPr lang="en-US" sz="4400" dirty="0" smtClean="0">
-                <a:latin typeface="+mj-lt"/>
-                <a:ea typeface="+mj-ea"/>
-                <a:cs typeface="+mj-cs"/>
-              </a:rPr>
-              <a:t>with Docker on Win7</a:t>
+              <a:t>Running Jupyter Notebooks with Docker on Win7</a:t>
             </a:r>
             <a:endParaRPr lang="en-US" sz="4400" dirty="0">
               <a:latin typeface="+mj-lt"/>
@@ -4066,15 +4046,7 @@
             </a:pPr>
             <a:r>
               <a:rPr lang="en-US" dirty="0" smtClean="0"/>
-              <a:t>  Recently took a course from Udemy </a:t>
-            </a:r>
-            <a:r>
-              <a:rPr lang="en-US" dirty="0" smtClean="0"/>
-              <a:t>called “</a:t>
-            </a:r>
-            <a:r>
-              <a:rPr lang="en-US" dirty="0" smtClean="0"/>
-              <a:t>Python for Data Science and Machine Learning Bootcamp”</a:t>
+              <a:t>  Recently took a course from Udemy called “Python for Data Science and Machine Learning Bootcamp”</a:t>
             </a:r>
           </a:p>
           <a:p>
@@ -4108,7 +4080,15 @@
             </a:r>
             <a:r>
               <a:rPr lang="en-US" dirty="0" smtClean="0"/>
-              <a:t>Who </a:t>
+              <a:t>And </a:t>
+            </a:r>
+            <a:r>
+              <a:rPr lang="en-US" dirty="0" smtClean="0"/>
+              <a:t>these days, w</a:t>
+            </a:r>
+            <a:r>
+              <a:rPr lang="en-US" dirty="0" smtClean="0"/>
+              <a:t>ho </a:t>
             </a:r>
             <a:r>
               <a:rPr lang="en-US" dirty="0" smtClean="0"/>
@@ -4116,7 +4096,7 @@
             </a:r>
             <a:r>
               <a:rPr lang="en-US" dirty="0" smtClean="0"/>
-              <a:t>support, gets </a:t>
+              <a:t>support?  Gets </a:t>
             </a:r>
             <a:r>
               <a:rPr lang="en-US" dirty="0" smtClean="0"/>
@@ -4151,7 +4131,6 @@
               <a:rPr lang="en-US" dirty="0"/>
               <a:t>So How Did I Get Here?</a:t>
             </a:r>
-            <a:endParaRPr lang="en-US" dirty="0"/>
           </a:p>
         </p:txBody>
       </p:sp>
@@ -4234,15 +4213,7 @@
             </a:pPr>
             <a:r>
               <a:rPr lang="en-US" dirty="0" smtClean="0"/>
-              <a:t>  </a:t>
-            </a:r>
-            <a:r>
-              <a:rPr lang="en-US" dirty="0" smtClean="0"/>
-              <a:t>Images </a:t>
-            </a:r>
-            <a:r>
-              <a:rPr lang="en-US" dirty="0" smtClean="0"/>
-              <a:t>Built and Maintained by </a:t>
+              <a:t>  Images Built and Maintained by </a:t>
             </a:r>
             <a:r>
               <a:rPr lang="en-US" b="1" i="1" u="sng" dirty="0" smtClean="0"/>
@@ -4335,15 +4306,7 @@
           <a:p>
             <a:r>
               <a:rPr lang="en-US" dirty="0" smtClean="0"/>
-              <a:t>Why </a:t>
-            </a:r>
-            <a:r>
-              <a:rPr lang="en-US" dirty="0" smtClean="0"/>
-              <a:t>Jupyter Containers</a:t>
-            </a:r>
-            <a:r>
-              <a:rPr lang="en-US" dirty="0" smtClean="0"/>
-              <a:t>?</a:t>
+              <a:t>Why Jupyter Containers?</a:t>
             </a:r>
             <a:endParaRPr lang="en-US" dirty="0"/>
           </a:p>
@@ -4449,15 +4412,7 @@
             </a:pPr>
             <a:r>
               <a:rPr lang="en-US" dirty="0" smtClean="0"/>
-              <a:t>  Docker Toolbox on Windows </a:t>
-            </a:r>
-            <a:r>
-              <a:rPr lang="en-US" dirty="0" smtClean="0"/>
-              <a:t> 7 (add </a:t>
-            </a:r>
-            <a:r>
-              <a:rPr lang="en-US" dirty="0" smtClean="0"/>
-              <a:t>VirtualBox option during install)</a:t>
+              <a:t>  Docker Toolbox on Windows  7 (add VirtualBox option during install)</a:t>
             </a:r>
           </a:p>
           <a:p>
@@ -4587,15 +4542,7 @@
             </a:r>
             <a:r>
               <a:rPr lang="en-US" dirty="0" smtClean="0"/>
-              <a:t> Configured </a:t>
-            </a:r>
-            <a:r>
-              <a:rPr lang="en-US" dirty="0" smtClean="0"/>
-              <a:t>a NAT configuration on </a:t>
-            </a:r>
-            <a:r>
-              <a:rPr lang="en-US" dirty="0" smtClean="0"/>
-              <a:t>the docker machine for port 8888</a:t>
+              <a:t> Configured a NAT configuration on the docker machine for port 8888</a:t>
             </a:r>
           </a:p>
           <a:p>
@@ -4609,19 +4556,7 @@
             </a:r>
             <a:r>
               <a:rPr lang="en-US" dirty="0" smtClean="0"/>
-              <a:t> </a:t>
-            </a:r>
-            <a:r>
-              <a:rPr lang="en-US" dirty="0" smtClean="0"/>
-              <a:t>Locally pulled </a:t>
-            </a:r>
-            <a:r>
-              <a:rPr lang="en-US" dirty="0" smtClean="0"/>
-              <a:t>the image </a:t>
-            </a:r>
-            <a:r>
-              <a:rPr lang="en-US" dirty="0" smtClean="0"/>
-              <a:t>jupyter/datascience-notebook:latest</a:t>
+              <a:t> Locally pulled the image jupyter/datascience-notebook:latest</a:t>
             </a:r>
           </a:p>
           <a:p>
@@ -4635,7 +4570,11 @@
             </a:r>
             <a:r>
               <a:rPr lang="en-US" dirty="0" smtClean="0"/>
-              <a:t> Downloaded the course work Jupyter Notebooks to </a:t>
+              <a:t> Downloaded the course </a:t>
+            </a:r>
+            <a:r>
+              <a:rPr lang="en-US" dirty="0" smtClean="0"/>
+              <a:t>work to </a:t>
             </a:r>
             <a:r>
               <a:rPr lang="en-US" dirty="0"/>
@@ -4657,15 +4596,7 @@
             </a:pPr>
             <a:r>
               <a:rPr lang="en-US" dirty="0" smtClean="0"/>
-              <a:t> </a:t>
-            </a:r>
-            <a:r>
-              <a:rPr lang="en-US" dirty="0" smtClean="0"/>
-              <a:t> Start the </a:t>
-            </a:r>
-            <a:r>
-              <a:rPr lang="en-US" dirty="0" smtClean="0"/>
-              <a:t>container with the following command:</a:t>
+              <a:t>  Start the container with the following command:</a:t>
             </a:r>
           </a:p>
           <a:p>
@@ -4866,15 +4797,7 @@
             </a:r>
             <a:r>
               <a:rPr lang="en-US" dirty="0" smtClean="0"/>
-              <a:t> Or </a:t>
-            </a:r>
-            <a:r>
-              <a:rPr lang="en-US" dirty="0" smtClean="0"/>
-              <a:t>you could use </a:t>
-            </a:r>
-            <a:r>
-              <a:rPr lang="en-US" dirty="0" smtClean="0"/>
-              <a:t>“docker-machine </a:t>
+              <a:t> Or you could use “docker-machine </a:t>
             </a:r>
             <a:r>
               <a:rPr lang="en-US" dirty="0"/>
@@ -4972,7 +4895,15 @@
             </a:pPr>
             <a:r>
               <a:rPr lang="en-US" dirty="0" smtClean="0"/>
-              <a:t>  When sharing a local directory on your laptop with the container be sure not to mount shared directory directly on the container at </a:t>
+              <a:t>  When sharing a local directory on your laptop with the container be sure </a:t>
+            </a:r>
+            <a:r>
+              <a:rPr lang="en-US" b="1" i="1" u="sng" dirty="0" smtClean="0"/>
+              <a:t>not</a:t>
+            </a:r>
+            <a:r>
+              <a:rPr lang="en-US" dirty="0" smtClean="0"/>
+              <a:t> to mount shared directory directly on the container at </a:t>
             </a:r>
             <a:r>
               <a:rPr lang="en-US" b="1" dirty="0" smtClean="0"/>
@@ -5104,13 +5035,8 @@
             </a:r>
             <a:r>
               <a:rPr lang="en-US" dirty="0" smtClean="0"/>
-              <a:t>eally need to upgrade to Windows 10 which supports virtualization </a:t>
-            </a:r>
-            <a:r>
-              <a:rPr lang="en-US" dirty="0" smtClean="0"/>
-              <a:t>natively</a:t>
-            </a:r>
-            <a:endParaRPr lang="en-US" dirty="0" smtClean="0"/>
+              <a:t>eally need to upgrade to Windows 10 which supports virtualization natively</a:t>
+            </a:r>
           </a:p>
           <a:p>
             <a:pPr lvl="1">
@@ -5161,23 +5087,7 @@
             </a:r>
             <a:r>
               <a:rPr lang="en-US" dirty="0" smtClean="0"/>
-              <a:t> Destroying the docker machine or container still preserves your work since your work directory is </a:t>
-            </a:r>
-            <a:r>
-              <a:rPr lang="en-US" dirty="0" smtClean="0"/>
-              <a:t>local and </a:t>
-            </a:r>
-            <a:r>
-              <a:rPr lang="en-US" dirty="0" smtClean="0"/>
-              <a:t>shared </a:t>
-            </a:r>
-            <a:r>
-              <a:rPr lang="en-US" dirty="0" smtClean="0"/>
-              <a:t>with the </a:t>
-            </a:r>
-            <a:r>
-              <a:rPr lang="en-US" dirty="0" smtClean="0"/>
-              <a:t>container</a:t>
+              <a:t> Destroying the docker machine or container still preserves your work since your work directory is local and shared with the container</a:t>
             </a:r>
           </a:p>
           <a:p>
@@ -5201,7 +5111,6 @@
               <a:rPr lang="en-US" dirty="0" smtClean="0"/>
               <a:t>datascience-notebook”</a:t>
             </a:r>
-            <a:endParaRPr lang="en-US" dirty="0" smtClean="0"/>
           </a:p>
         </p:txBody>
       </p:sp>
@@ -5354,26 +5263,27 @@
           </a:p>
           <a:p>
             <a:r>
-              <a:rPr lang="en-US" dirty="0" smtClean="0"/>
+              <a:rPr lang="en-US" dirty="0"/>
               <a:t>https</a:t>
             </a:r>
             <a:r>
-              <a:rPr lang="en-US" dirty="0"/>
+              <a:rPr lang="en-US"/>
               <a:t>://</a:t>
             </a:r>
             <a:r>
-              <a:rPr lang="en-US" dirty="0" smtClean="0"/>
-              <a:t>jupyter-docker-stacks.readthedocs.io/en/latest</a:t>
-            </a:r>
-          </a:p>
-          <a:p>
-            <a:endParaRPr lang="en-US" dirty="0" smtClean="0"/>
-          </a:p>
-          <a:p>
-            <a:r>
-              <a:rPr lang="en-US" dirty="0"/>
+              <a:rPr lang="en-US" smtClean="0"/>
+              <a:t>jupyter-docker-stacks.readthedocs.io/en/latest/using/selecting.html</a:t>
+            </a:r>
+          </a:p>
+          <a:p>
+            <a:endParaRPr lang="en-US" dirty="0"/>
+          </a:p>
+          <a:p>
+            <a:r>
+              <a:rPr lang="en-US" dirty="0" smtClean="0"/>
               <a:t>Cygwin</a:t>
             </a:r>
+            <a:endParaRPr lang="en-US" dirty="0"/>
           </a:p>
           <a:p>
             <a:r>

--- a/slides/Jupyter Notebook with Docker on Win7.pptx
+++ b/slides/Jupyter Notebook with Docker on Win7.pptx
@@ -4076,31 +4076,7 @@
             </a:pPr>
             <a:r>
               <a:rPr lang="en-US" dirty="0" smtClean="0"/>
-              <a:t>  </a:t>
-            </a:r>
-            <a:r>
-              <a:rPr lang="en-US" dirty="0" smtClean="0"/>
-              <a:t>And </a:t>
-            </a:r>
-            <a:r>
-              <a:rPr lang="en-US" dirty="0" smtClean="0"/>
-              <a:t>these days, w</a:t>
-            </a:r>
-            <a:r>
-              <a:rPr lang="en-US" dirty="0" smtClean="0"/>
-              <a:t>ho </a:t>
-            </a:r>
-            <a:r>
-              <a:rPr lang="en-US" dirty="0" smtClean="0"/>
-              <a:t>doesn’t have multiple environments to </a:t>
-            </a:r>
-            <a:r>
-              <a:rPr lang="en-US" dirty="0" smtClean="0"/>
-              <a:t>support?  Gets </a:t>
-            </a:r>
-            <a:r>
-              <a:rPr lang="en-US" dirty="0" smtClean="0"/>
-              <a:t>to be a mess quite quickly</a:t>
+              <a:t>  And these days, who doesn’t have multiple environments to support?  Gets to be a mess quite quickly</a:t>
             </a:r>
           </a:p>
         </p:txBody>
@@ -4213,7 +4189,11 @@
             </a:pPr>
             <a:r>
               <a:rPr lang="en-US" dirty="0" smtClean="0"/>
-              <a:t>  Images Built and Maintained by </a:t>
+              <a:t>  Images Built and Maintained </a:t>
+            </a:r>
+            <a:r>
+              <a:rPr lang="en-US" dirty="0" smtClean="0"/>
+              <a:t>specifically by </a:t>
             </a:r>
             <a:r>
               <a:rPr lang="en-US" b="1" i="1" u="sng" dirty="0" smtClean="0"/>
@@ -4570,11 +4550,7 @@
             </a:r>
             <a:r>
               <a:rPr lang="en-US" dirty="0" smtClean="0"/>
-              <a:t> Downloaded the course </a:t>
-            </a:r>
-            <a:r>
-              <a:rPr lang="en-US" dirty="0" smtClean="0"/>
-              <a:t>work to </a:t>
+              <a:t> Downloaded the course work to </a:t>
             </a:r>
             <a:r>
               <a:rPr lang="en-US" dirty="0"/>
@@ -4986,7 +4962,7 @@
         <p:spPr>
           <a:xfrm>
             <a:off x="757367" y="1584186"/>
-            <a:ext cx="7515090" cy="2862322"/>
+            <a:ext cx="7515090" cy="3139321"/>
           </a:xfrm>
           <a:prstGeom prst="rect">
             <a:avLst/>
@@ -5109,8 +5085,27 @@
             </a:r>
             <a:r>
               <a:rPr lang="en-US" dirty="0" smtClean="0"/>
-              <a:t>datascience-notebook”</a:t>
-            </a:r>
+              <a:t>datascience-notebook</a:t>
+            </a:r>
+            <a:r>
+              <a:rPr lang="en-US" dirty="0" smtClean="0"/>
+              <a:t>”</a:t>
+            </a:r>
+          </a:p>
+          <a:p>
+            <a:pPr lvl="1">
+              <a:buFont typeface="Arial" pitchFamily="34" charset="0"/>
+              <a:buChar char="•"/>
+            </a:pPr>
+            <a:r>
+              <a:rPr lang="en-US" dirty="0"/>
+              <a:t> </a:t>
+            </a:r>
+            <a:r>
+              <a:rPr lang="en-US" dirty="0" smtClean="0"/>
+              <a:t> Facilitate Team Development</a:t>
+            </a:r>
+            <a:endParaRPr lang="en-US" dirty="0" smtClean="0"/>
           </a:p>
         </p:txBody>
       </p:sp>
@@ -5220,7 +5215,7 @@
         <p:spPr>
           <a:xfrm>
             <a:off x="606829" y="1371600"/>
-            <a:ext cx="7880466" cy="2308324"/>
+            <a:ext cx="7880466" cy="3139321"/>
           </a:xfrm>
           <a:prstGeom prst="rect">
             <a:avLst/>
@@ -5234,8 +5229,28 @@
           <a:lstStyle/>
           <a:p>
             <a:r>
-              <a:rPr lang="en-US" dirty="0" smtClean="0"/>
-              <a:t>Docker Toolbox</a:t>
+              <a:rPr lang="en-US" b="1" dirty="0" smtClean="0"/>
+              <a:t>Jupyter Notebook with Docker on Windows 7</a:t>
+            </a:r>
+          </a:p>
+          <a:p>
+            <a:r>
+              <a:rPr lang="en-US" dirty="0"/>
+              <a:t>https://github.com/kskalvar/jupyter-notebook-with-docker-win7</a:t>
+            </a:r>
+            <a:endParaRPr lang="en-US" dirty="0" smtClean="0"/>
+          </a:p>
+          <a:p>
+            <a:endParaRPr lang="en-US" dirty="0" smtClean="0"/>
+          </a:p>
+          <a:p>
+            <a:r>
+              <a:rPr lang="en-US" b="1" dirty="0" smtClean="0"/>
+              <a:t>Docker </a:t>
+            </a:r>
+            <a:r>
+              <a:rPr lang="en-US" b="1" dirty="0" smtClean="0"/>
+              <a:t>Toolbox</a:t>
             </a:r>
           </a:p>
           <a:p>
@@ -5253,25 +5268,21 @@
           </a:p>
           <a:p>
             <a:r>
-              <a:rPr lang="en-US" dirty="0" smtClean="0"/>
+              <a:rPr lang="en-US" b="1" dirty="0" smtClean="0"/>
               <a:t>Jupyter </a:t>
             </a:r>
             <a:r>
+              <a:rPr lang="en-US" b="1" dirty="0"/>
+              <a:t>Docker Stacks</a:t>
+            </a:r>
+          </a:p>
+          <a:p>
+            <a:r>
               <a:rPr lang="en-US" dirty="0"/>
-              <a:t>Docker Stacks</a:t>
-            </a:r>
-          </a:p>
-          <a:p>
-            <a:r>
-              <a:rPr lang="en-US" dirty="0"/>
-              <a:t>https</a:t>
-            </a:r>
-            <a:r>
-              <a:rPr lang="en-US"/>
-              <a:t>://</a:t>
-            </a:r>
-            <a:r>
-              <a:rPr lang="en-US" smtClean="0"/>
+              <a:t>https://</a:t>
+            </a:r>
+            <a:r>
+              <a:rPr lang="en-US" dirty="0" smtClean="0"/>
               <a:t>jupyter-docker-stacks.readthedocs.io/en/latest/using/selecting.html</a:t>
             </a:r>
           </a:p>
@@ -5280,10 +5291,10 @@
           </a:p>
           <a:p>
             <a:r>
-              <a:rPr lang="en-US" dirty="0" smtClean="0"/>
+              <a:rPr lang="en-US" b="1" dirty="0" smtClean="0"/>
               <a:t>Cygwin</a:t>
             </a:r>
-            <a:endParaRPr lang="en-US" dirty="0"/>
+            <a:endParaRPr lang="en-US" b="1" dirty="0"/>
           </a:p>
           <a:p>
             <a:r>

--- a/slides/Jupyter Notebook with Docker on Win7.pptx
+++ b/slides/Jupyter Notebook with Docker on Win7.pptx
@@ -204,7 +204,7 @@
             <a:fld id="{814910AB-AEF0-414C-82CB-791080B1186B}" type="datetimeFigureOut">
               <a:rPr lang="en-US" smtClean="0"/>
               <a:pPr/>
-              <a:t>11/12/2019</a:t>
+              <a:t>11/19/2019</a:t>
             </a:fld>
             <a:endParaRPr lang="en-US" dirty="0"/>
           </a:p>
@@ -371,7 +371,7 @@
             <a:fld id="{5B4AE38D-E020-46F3-803D-8636C5B7B74E}" type="datetimeFigureOut">
               <a:rPr lang="en-US" smtClean="0"/>
               <a:pPr/>
-              <a:t>11/12/2019</a:t>
+              <a:t>11/19/2019</a:t>
             </a:fld>
             <a:endParaRPr lang="en-US" dirty="0"/>
           </a:p>
@@ -1079,7 +1079,7 @@
             <a:fld id="{7DDB771E-4AED-4DD3-8AA1-5D9FD2224F14}" type="datetimeFigureOut">
               <a:rPr lang="en-US" smtClean="0"/>
               <a:pPr/>
-              <a:t>11/12/2019</a:t>
+              <a:t>11/19/2019</a:t>
             </a:fld>
             <a:endParaRPr lang="en-US" dirty="0"/>
           </a:p>
@@ -1246,7 +1246,7 @@
             <a:fld id="{7DDB771E-4AED-4DD3-8AA1-5D9FD2224F14}" type="datetimeFigureOut">
               <a:rPr lang="en-US" smtClean="0"/>
               <a:pPr/>
-              <a:t>11/12/2019</a:t>
+              <a:t>11/19/2019</a:t>
             </a:fld>
             <a:endParaRPr lang="en-US" dirty="0"/>
           </a:p>
@@ -1423,7 +1423,7 @@
             <a:fld id="{7DDB771E-4AED-4DD3-8AA1-5D9FD2224F14}" type="datetimeFigureOut">
               <a:rPr lang="en-US" smtClean="0"/>
               <a:pPr/>
-              <a:t>11/12/2019</a:t>
+              <a:t>11/19/2019</a:t>
             </a:fld>
             <a:endParaRPr lang="en-US" dirty="0"/>
           </a:p>
@@ -1590,7 +1590,7 @@
             <a:fld id="{7DDB771E-4AED-4DD3-8AA1-5D9FD2224F14}" type="datetimeFigureOut">
               <a:rPr lang="en-US" smtClean="0"/>
               <a:pPr/>
-              <a:t>11/12/2019</a:t>
+              <a:t>11/19/2019</a:t>
             </a:fld>
             <a:endParaRPr lang="en-US" dirty="0"/>
           </a:p>
@@ -1833,7 +1833,7 @@
             <a:fld id="{7DDB771E-4AED-4DD3-8AA1-5D9FD2224F14}" type="datetimeFigureOut">
               <a:rPr lang="en-US" smtClean="0"/>
               <a:pPr/>
-              <a:t>11/12/2019</a:t>
+              <a:t>11/19/2019</a:t>
             </a:fld>
             <a:endParaRPr lang="en-US" dirty="0"/>
           </a:p>
@@ -2118,7 +2118,7 @@
             <a:fld id="{7DDB771E-4AED-4DD3-8AA1-5D9FD2224F14}" type="datetimeFigureOut">
               <a:rPr lang="en-US" smtClean="0"/>
               <a:pPr/>
-              <a:t>11/12/2019</a:t>
+              <a:t>11/19/2019</a:t>
             </a:fld>
             <a:endParaRPr lang="en-US" dirty="0"/>
           </a:p>
@@ -2537,7 +2537,7 @@
             <a:fld id="{7DDB771E-4AED-4DD3-8AA1-5D9FD2224F14}" type="datetimeFigureOut">
               <a:rPr lang="en-US" smtClean="0"/>
               <a:pPr/>
-              <a:t>11/12/2019</a:t>
+              <a:t>11/19/2019</a:t>
             </a:fld>
             <a:endParaRPr lang="en-US" dirty="0"/>
           </a:p>
@@ -2652,7 +2652,7 @@
             <a:fld id="{7DDB771E-4AED-4DD3-8AA1-5D9FD2224F14}" type="datetimeFigureOut">
               <a:rPr lang="en-US" smtClean="0"/>
               <a:pPr/>
-              <a:t>11/12/2019</a:t>
+              <a:t>11/19/2019</a:t>
             </a:fld>
             <a:endParaRPr lang="en-US" dirty="0"/>
           </a:p>
@@ -2744,7 +2744,7 @@
             <a:fld id="{7DDB771E-4AED-4DD3-8AA1-5D9FD2224F14}" type="datetimeFigureOut">
               <a:rPr lang="en-US" smtClean="0"/>
               <a:pPr/>
-              <a:t>11/12/2019</a:t>
+              <a:t>11/19/2019</a:t>
             </a:fld>
             <a:endParaRPr lang="en-US" dirty="0"/>
           </a:p>
@@ -3018,7 +3018,7 @@
             <a:fld id="{7DDB771E-4AED-4DD3-8AA1-5D9FD2224F14}" type="datetimeFigureOut">
               <a:rPr lang="en-US" smtClean="0"/>
               <a:pPr/>
-              <a:t>11/12/2019</a:t>
+              <a:t>11/19/2019</a:t>
             </a:fld>
             <a:endParaRPr lang="en-US" dirty="0"/>
           </a:p>
@@ -3268,7 +3268,7 @@
             <a:fld id="{7DDB771E-4AED-4DD3-8AA1-5D9FD2224F14}" type="datetimeFigureOut">
               <a:rPr lang="en-US" smtClean="0"/>
               <a:pPr/>
-              <a:t>11/12/2019</a:t>
+              <a:t>11/19/2019</a:t>
             </a:fld>
             <a:endParaRPr lang="en-US" dirty="0"/>
           </a:p>
@@ -3478,7 +3478,7 @@
             <a:fld id="{7DDB771E-4AED-4DD3-8AA1-5D9FD2224F14}" type="datetimeFigureOut">
               <a:rPr lang="en-US" smtClean="0"/>
               <a:pPr/>
-              <a:t>11/12/2019</a:t>
+              <a:t>11/19/2019</a:t>
             </a:fld>
             <a:endParaRPr lang="en-US" dirty="0"/>
           </a:p>
@@ -4027,7 +4027,7 @@
         <p:spPr>
           <a:xfrm>
             <a:off x="1082028" y="1683147"/>
-            <a:ext cx="6705600" cy="2308324"/>
+            <a:ext cx="6705600" cy="3693319"/>
           </a:xfrm>
           <a:prstGeom prst="rect">
             <a:avLst/>
@@ -4046,11 +4046,15 @@
             </a:pPr>
             <a:r>
               <a:rPr lang="en-US" dirty="0" smtClean="0"/>
-              <a:t>  Recently took a course from Udemy called “Python for Data Science and Machine Learning Bootcamp”</a:t>
-            </a:r>
-          </a:p>
-          <a:p>
-            <a:endParaRPr lang="en-US" dirty="0" smtClean="0"/>
+              <a:t>  As part of a Data Science Meetup I attend I recently took a course from Udemy called “Python for Data Science and Machine Learning Bootcamp</a:t>
+            </a:r>
+            <a:r>
+              <a:rPr lang="en-US" dirty="0" smtClean="0"/>
+              <a:t>”</a:t>
+            </a:r>
+          </a:p>
+          <a:p>
+            <a:endParaRPr lang="en-US" dirty="0"/>
           </a:p>
           <a:p>
             <a:pPr>
@@ -4058,16 +4062,13 @@
               <a:buChar char="•"/>
             </a:pPr>
             <a:r>
-              <a:rPr lang="en-US" dirty="0"/>
-              <a:t> </a:t>
-            </a:r>
-            <a:r>
-              <a:rPr lang="en-US" dirty="0" smtClean="0"/>
-              <a:t> Setting up a Jupyter Notebook with supporting tools on a laptop requires installation of multiple packages</a:t>
-            </a:r>
-          </a:p>
-          <a:p>
-            <a:endParaRPr lang="en-US" dirty="0"/>
+              <a:rPr lang="en-US" dirty="0" smtClean="0"/>
+              <a:t>  This was a hands on course based on Jupyter Notebooks.</a:t>
+            </a:r>
+            <a:endParaRPr lang="en-US" dirty="0" smtClean="0"/>
+          </a:p>
+          <a:p>
+            <a:endParaRPr lang="en-US" dirty="0" smtClean="0"/>
           </a:p>
           <a:p>
             <a:pPr>
@@ -4075,9 +4076,76 @@
               <a:buChar char="•"/>
             </a:pPr>
             <a:r>
-              <a:rPr lang="en-US" dirty="0" smtClean="0"/>
-              <a:t>  And these days, who doesn’t have multiple environments to support?  Gets to be a mess quite quickly</a:t>
-            </a:r>
+              <a:rPr lang="en-US" dirty="0"/>
+              <a:t> </a:t>
+            </a:r>
+            <a:r>
+              <a:rPr lang="en-US" dirty="0" smtClean="0"/>
+              <a:t> </a:t>
+            </a:r>
+            <a:r>
+              <a:rPr lang="en-US" dirty="0" smtClean="0"/>
+              <a:t>The course required setting </a:t>
+            </a:r>
+            <a:r>
+              <a:rPr lang="en-US" dirty="0" smtClean="0"/>
+              <a:t>up a Jupyter Notebook </a:t>
+            </a:r>
+            <a:r>
+              <a:rPr lang="en-US" dirty="0" smtClean="0"/>
+              <a:t>and </a:t>
+            </a:r>
+            <a:r>
+              <a:rPr lang="en-US" dirty="0" smtClean="0"/>
+              <a:t>supporting datascience libraries on a laptop</a:t>
+            </a:r>
+          </a:p>
+          <a:p>
+            <a:pPr>
+              <a:buFont typeface="Arial" pitchFamily="34" charset="0"/>
+              <a:buChar char="•"/>
+            </a:pPr>
+            <a:endParaRPr lang="en-US" dirty="0"/>
+          </a:p>
+          <a:p>
+            <a:pPr>
+              <a:buFont typeface="Arial" pitchFamily="34" charset="0"/>
+              <a:buChar char="•"/>
+            </a:pPr>
+            <a:r>
+              <a:rPr lang="en-US" dirty="0" smtClean="0"/>
+              <a:t>  I was like really</a:t>
+            </a:r>
+            <a:r>
+              <a:rPr lang="en-US" dirty="0" smtClean="0"/>
+              <a:t>?  Are you kidding me?</a:t>
+            </a:r>
+          </a:p>
+          <a:p>
+            <a:endParaRPr lang="en-US" dirty="0"/>
+          </a:p>
+          <a:p>
+            <a:pPr>
+              <a:buFont typeface="Arial" pitchFamily="34" charset="0"/>
+              <a:buChar char="•"/>
+            </a:pPr>
+            <a:r>
+              <a:rPr lang="en-US" dirty="0" smtClean="0"/>
+              <a:t>  </a:t>
+            </a:r>
+            <a:r>
+              <a:rPr lang="en-US" dirty="0" smtClean="0"/>
+              <a:t>These </a:t>
+            </a:r>
+            <a:r>
+              <a:rPr lang="en-US" dirty="0" smtClean="0"/>
+              <a:t>days, who doesn’t have multiple environments to support?  Gets to be a mess quite </a:t>
+            </a:r>
+            <a:r>
+              <a:rPr lang="en-US" dirty="0" smtClean="0"/>
+              <a:t>quickly!</a:t>
+            </a:r>
+            <a:endParaRPr lang="en-US" dirty="0" smtClean="0"/>
           </a:p>
         </p:txBody>
       </p:sp>
@@ -4170,15 +4238,7 @@
             </a:pPr>
             <a:r>
               <a:rPr lang="en-US" dirty="0" smtClean="0"/>
-              <a:t>  Docker containers keep your </a:t>
-            </a:r>
-            <a:r>
-              <a:rPr lang="en-US" dirty="0"/>
-              <a:t>Laptop </a:t>
-            </a:r>
-            <a:r>
-              <a:rPr lang="en-US" dirty="0" smtClean="0"/>
-              <a:t>Environment easier to manage</a:t>
+              <a:t>  Docker containers keep your laptop environment easier to manage</a:t>
             </a:r>
             <a:endParaRPr lang="en-US" dirty="0"/>
           </a:p>
@@ -4189,11 +4249,7 @@
             </a:pPr>
             <a:r>
               <a:rPr lang="en-US" dirty="0" smtClean="0"/>
-              <a:t>  Images Built and Maintained </a:t>
-            </a:r>
-            <a:r>
-              <a:rPr lang="en-US" dirty="0" smtClean="0"/>
-              <a:t>specifically by </a:t>
+              <a:t>  Images Built and Maintained specifically by </a:t>
             </a:r>
             <a:r>
               <a:rPr lang="en-US" b="1" i="1" u="sng" dirty="0" smtClean="0"/>
@@ -4550,7 +4606,7 @@
             </a:r>
             <a:r>
               <a:rPr lang="en-US" dirty="0" smtClean="0"/>
-              <a:t> Downloaded the course work to </a:t>
+              <a:t> Downloaded course work to </a:t>
             </a:r>
             <a:r>
               <a:rPr lang="en-US" dirty="0"/>
@@ -4759,7 +4815,7 @@
             </a:r>
             <a:r>
               <a:rPr lang="en-US" dirty="0" smtClean="0"/>
-              <a:t> you’ll need to configure the docker machine to use Port Forwarding with NAT</a:t>
+              <a:t> you’ll need to configure the docker machine to use port forwarding with NAT</a:t>
             </a:r>
           </a:p>
           <a:p>
@@ -4810,8 +4866,8 @@
               <a:t>/c/Users</a:t>
             </a:r>
             <a:r>
-              <a:rPr lang="en-US" dirty="0"/>
-              <a:t>/kskalvar/git/Refactored_Py_DS_ML_Bootcamp-master</a:t>
+              <a:rPr lang="en-US" dirty="0" smtClean="0"/>
+              <a:t>/&lt;userid&gt;/&lt;project&gt;/Refactored_Py_DS_ML_Bootcamp-master</a:t>
             </a:r>
             <a:r>
               <a:rPr lang="en-US" b="1" dirty="0"/>
@@ -5025,8 +5081,13 @@
             </a:r>
             <a:r>
               <a:rPr lang="en-US" dirty="0" smtClean="0"/>
-              <a:t> Docker on Win7 is a bit of a mess</a:t>
-            </a:r>
+              <a:t> Docker on Win7 is a bit of a </a:t>
+            </a:r>
+            <a:r>
+              <a:rPr lang="en-US" dirty="0" smtClean="0"/>
+              <a:t>mess</a:t>
+            </a:r>
+            <a:endParaRPr lang="en-US" dirty="0" smtClean="0"/>
           </a:p>
           <a:p>
             <a:pPr>
@@ -5049,8 +5110,13 @@
             </a:r>
             <a:r>
               <a:rPr lang="en-US" dirty="0" smtClean="0"/>
-              <a:t> Running Jupyter Notebooks in a container locally</a:t>
-            </a:r>
+              <a:t> </a:t>
+            </a:r>
+            <a:r>
+              <a:rPr lang="en-US" dirty="0" smtClean="0"/>
+              <a:t>Avoiding the tool chain fatigue</a:t>
+            </a:r>
+            <a:endParaRPr lang="en-US" dirty="0" smtClean="0"/>
           </a:p>
           <a:p>
             <a:pPr lvl="1">
@@ -5085,11 +5151,7 @@
             </a:r>
             <a:r>
               <a:rPr lang="en-US" dirty="0" smtClean="0"/>
-              <a:t>datascience-notebook</a:t>
-            </a:r>
-            <a:r>
-              <a:rPr lang="en-US" dirty="0" smtClean="0"/>
-              <a:t>”</a:t>
+              <a:t>datascience-notebook”</a:t>
             </a:r>
           </a:p>
           <a:p>
@@ -5105,7 +5167,6 @@
               <a:rPr lang="en-US" dirty="0" smtClean="0"/>
               <a:t> Facilitate Team Development</a:t>
             </a:r>
-            <a:endParaRPr lang="en-US" dirty="0" smtClean="0"/>
           </a:p>
         </p:txBody>
       </p:sp>
@@ -5215,7 +5276,7 @@
         <p:spPr>
           <a:xfrm>
             <a:off x="606829" y="1371600"/>
-            <a:ext cx="7880466" cy="3139321"/>
+            <a:ext cx="7880466" cy="3970318"/>
           </a:xfrm>
           <a:prstGeom prst="rect">
             <a:avLst/>
@@ -5246,11 +5307,7 @@
           <a:p>
             <a:r>
               <a:rPr lang="en-US" b="1" dirty="0" smtClean="0"/>
-              <a:t>Docker </a:t>
-            </a:r>
-            <a:r>
-              <a:rPr lang="en-US" b="1" dirty="0" smtClean="0"/>
-              <a:t>Toolbox</a:t>
+              <a:t>Docker Toolbox</a:t>
             </a:r>
           </a:p>
           <a:p>
@@ -5304,6 +5361,21 @@
             <a:r>
               <a:rPr lang="en-US" dirty="0" smtClean="0"/>
               <a:t>cygwin.com</a:t>
+            </a:r>
+          </a:p>
+          <a:p>
+            <a:endParaRPr lang="en-US" dirty="0"/>
+          </a:p>
+          <a:p>
+            <a:r>
+              <a:rPr lang="en-US" b="1" dirty="0"/>
+              <a:t>winpty (windows console)  </a:t>
+            </a:r>
+          </a:p>
+          <a:p>
+            <a:r>
+              <a:rPr lang="en-US" dirty="0"/>
+              <a:t>https://github.com/kskalvar/winpty  </a:t>
             </a:r>
           </a:p>
         </p:txBody>
